--- a/Analýza webu.pptx
+++ b/Analýza webu.pptx
@@ -8,6 +8,8 @@
     <p:sldId id="256" r:id="rId2"/>
     <p:sldId id="257" r:id="rId3"/>
     <p:sldId id="258" r:id="rId4"/>
+    <p:sldId id="259" r:id="rId5"/>
+    <p:sldId id="260" r:id="rId6"/>
   </p:sldIdLst>
   <p:sldSz cx="12192000" cy="6858000"/>
   <p:notesSz cx="6858000" cy="9144000"/>
@@ -106,6 +108,11 @@
       </a:defRPr>
     </a:lvl9pPr>
   </p:defaultTextStyle>
+  <p:extLst>
+    <p:ext uri="{EFAFB233-063F-42B5-8137-9DF3F51BA10A}">
+      <p15:sldGuideLst xmlns:p15="http://schemas.microsoft.com/office/powerpoint/2012/main"/>
+    </p:ext>
+  </p:extLst>
 </p:presentation>
 </file>
 
@@ -5997,49 +6004,70 @@
               <a:buNone/>
             </a:pPr>
             <a:r>
-              <a:rPr lang="cs-CZ" dirty="0"/>
+              <a:rPr lang="cs-CZ" dirty="0">
+                <a:latin typeface="Calibri" panose="020F0502020204030204" pitchFamily="34" charset="0"/>
+                <a:cs typeface="Calibri" panose="020F0502020204030204" pitchFamily="34" charset="0"/>
+              </a:rPr>
               <a:t>Analýza domény:</a:t>
             </a:r>
           </a:p>
           <a:p>
             <a:pPr lvl="1"/>
             <a:r>
-              <a:rPr lang="cs-CZ" dirty="0"/>
+              <a:rPr lang="cs-CZ" dirty="0">
+                <a:latin typeface="Calibri" panose="020F0502020204030204" pitchFamily="34" charset="0"/>
+                <a:cs typeface="Calibri" panose="020F0502020204030204" pitchFamily="34" charset="0"/>
+              </a:rPr>
               <a:t>Doména: o2.cz</a:t>
             </a:r>
           </a:p>
           <a:p>
             <a:pPr lvl="1"/>
             <a:r>
-              <a:rPr lang="cs-CZ" dirty="0"/>
+              <a:rPr lang="cs-CZ" dirty="0">
+                <a:latin typeface="Calibri" panose="020F0502020204030204" pitchFamily="34" charset="0"/>
+                <a:cs typeface="Calibri" panose="020F0502020204030204" pitchFamily="34" charset="0"/>
+              </a:rPr>
               <a:t>Vlastník: O2-HOLDINGS-LIMITED</a:t>
             </a:r>
           </a:p>
           <a:p>
             <a:pPr lvl="1"/>
             <a:r>
-              <a:rPr lang="cs-CZ" dirty="0"/>
+              <a:rPr lang="cs-CZ" dirty="0">
+                <a:latin typeface="Calibri" panose="020F0502020204030204" pitchFamily="34" charset="0"/>
+                <a:cs typeface="Calibri" panose="020F0502020204030204" pitchFamily="34" charset="0"/>
+              </a:rPr>
               <a:t>Registrant: O2 Czech Republic a.s.</a:t>
             </a:r>
           </a:p>
           <a:p>
             <a:pPr lvl="1"/>
             <a:r>
-              <a:rPr lang="cs-CZ" dirty="0"/>
+              <a:rPr lang="cs-CZ" dirty="0">
+                <a:latin typeface="Calibri" panose="020F0502020204030204" pitchFamily="34" charset="0"/>
+                <a:cs typeface="Calibri" panose="020F0502020204030204" pitchFamily="34" charset="0"/>
+              </a:rPr>
               <a:t>Registrátor: REG-CT</a:t>
             </a:r>
           </a:p>
           <a:p>
             <a:pPr lvl="1"/>
             <a:r>
-              <a:rPr lang="cs-CZ" dirty="0"/>
+              <a:rPr lang="cs-CZ" dirty="0">
+                <a:latin typeface="Calibri" panose="020F0502020204030204" pitchFamily="34" charset="0"/>
+                <a:cs typeface="Calibri" panose="020F0502020204030204" pitchFamily="34" charset="0"/>
+              </a:rPr>
               <a:t>Registrováno: 11.12.2000</a:t>
             </a:r>
           </a:p>
           <a:p>
             <a:pPr lvl="1"/>
             <a:r>
-              <a:rPr lang="cs-CZ" dirty="0"/>
+              <a:rPr lang="cs-CZ" dirty="0">
+                <a:latin typeface="Calibri" panose="020F0502020204030204" pitchFamily="34" charset="0"/>
+                <a:cs typeface="Calibri" panose="020F0502020204030204" pitchFamily="34" charset="0"/>
+              </a:rPr>
               <a:t>Datum expirace: 12.12.2023</a:t>
             </a:r>
           </a:p>
@@ -6092,55 +6120,67 @@
               <a:buNone/>
             </a:pPr>
             <a:r>
+              <a:rPr lang="cs-CZ" dirty="0">
+                <a:latin typeface="Calibri" panose="020F0502020204030204" pitchFamily="34" charset="0"/>
+                <a:ea typeface="Cambria" panose="02040503050406030204" pitchFamily="18" charset="0"/>
+                <a:cs typeface="Calibri" panose="020F0502020204030204" pitchFamily="34" charset="0"/>
+              </a:rPr>
+              <a:t>Analýza kódu:</a:t>
+            </a:r>
+          </a:p>
+          <a:p>
+            <a:pPr lvl="1"/>
+            <a:r>
+              <a:rPr lang="cs-CZ" dirty="0">
+                <a:latin typeface="Calibri" panose="020F0502020204030204" pitchFamily="34" charset="0"/>
+                <a:ea typeface="Cambria" panose="02040503050406030204" pitchFamily="18" charset="0"/>
+                <a:cs typeface="Calibri" panose="020F0502020204030204" pitchFamily="34" charset="0"/>
+              </a:rPr>
+              <a:t>Příliš dlouhý zdrojový kód</a:t>
+            </a:r>
+          </a:p>
+          <a:p>
+            <a:pPr lvl="1"/>
+            <a:r>
+              <a:rPr lang="cs-CZ" dirty="0">
+                <a:latin typeface="Calibri" panose="020F0502020204030204" pitchFamily="34" charset="0"/>
+                <a:ea typeface="Cambria" panose="02040503050406030204" pitchFamily="18" charset="0"/>
+                <a:cs typeface="Calibri" panose="020F0502020204030204" pitchFamily="34" charset="0"/>
+              </a:rPr>
+              <a:t>Některé obrázky nemají alt atributy</a:t>
+            </a:r>
+          </a:p>
+          <a:p>
+            <a:pPr lvl="1"/>
+            <a:r>
+              <a:rPr lang="cs-CZ" dirty="0">
+                <a:latin typeface="Calibri" panose="020F0502020204030204" pitchFamily="34" charset="0"/>
+                <a:ea typeface="Cambria" panose="02040503050406030204" pitchFamily="18" charset="0"/>
+                <a:cs typeface="Calibri" panose="020F0502020204030204" pitchFamily="34" charset="0"/>
+              </a:rPr>
+              <a:t>Stránka dělá až moc requestů,to může vyústit ve špatný čas načítání</a:t>
+            </a:r>
+          </a:p>
+          <a:p>
+            <a:pPr lvl="1"/>
+            <a:r>
               <a:rPr lang="cs-CZ" dirty="0"/>
-              <a:t>Analýza kódu:</a:t>
+              <a:t>Iframe obsah</a:t>
             </a:r>
           </a:p>
           <a:p>
             <a:pPr lvl="1"/>
             <a:r>
               <a:rPr lang="cs-CZ" dirty="0"/>
-              <a:t>Příliš dlouhý popis</a:t>
+              <a:t>MÁ až moc javascript souborů</a:t>
             </a:r>
           </a:p>
           <a:p>
             <a:pPr lvl="1"/>
             <a:r>
               <a:rPr lang="cs-CZ" dirty="0"/>
-              <a:t>Chybí základní popisné informace (autor, sitemap, apod)</a:t>
-            </a:r>
-          </a:p>
-          <a:p>
-            <a:pPr lvl="1"/>
-            <a:r>
-              <a:rPr lang="cs-CZ" dirty="0"/>
-              <a:t>Příliš dlouhý zdrojový kód</a:t>
-            </a:r>
-          </a:p>
-          <a:p>
-            <a:pPr lvl="1"/>
-            <a:r>
-              <a:rPr lang="cs-CZ" dirty="0"/>
-              <a:t>Některé obrázky nemají alt atributy</a:t>
-            </a:r>
-          </a:p>
-          <a:p>
-            <a:pPr lvl="1"/>
-            <a:r>
-              <a:rPr lang="cs-CZ" dirty="0"/>
-              <a:t>Stránka dělá až moc requestů,to může vyústit ve špatný čas načítání</a:t>
-            </a:r>
-          </a:p>
-          <a:p>
-            <a:pPr lvl="1"/>
-            <a:r>
-              <a:rPr lang="cs-CZ" dirty="0"/>
-              <a:t>Poměrně dobře vyřešená Sémantika, přístupnost a obsahová část</a:t>
-            </a:r>
-          </a:p>
-          <a:p>
-            <a:pPr lvl="1"/>
-            <a:endParaRPr lang="cs-CZ" dirty="0"/>
+              <a:t>Inline styly</a:t>
+            </a:r>
           </a:p>
           <a:p>
             <a:pPr lvl="1"/>
@@ -6251,7 +6291,7 @@
             </a:pPr>
             <a:r>
               <a:rPr lang="cs-CZ" dirty="0"/>
-              <a:t>negrURL obsahuje podtržítka, nahradit za pomlčky</a:t>
+              <a:t>URL obsahuje podtržítka, nahradit za pomlčky</a:t>
             </a:r>
           </a:p>
           <a:p>
@@ -6260,11 +6300,113 @@
             </a:pPr>
             <a:r>
               <a:rPr lang="cs-CZ" dirty="0"/>
-              <a:t>Klíčová slova nemají </a:t>
-            </a:r>
-          </a:p>
-          <a:p>
-            <a:pPr lvl="1"/>
+              <a:t>Klíčová slova nemají konzistenci</a:t>
+            </a:r>
+          </a:p>
+          <a:p>
+            <a:pPr marL="457200" lvl="1" indent="0">
+              <a:buNone/>
+            </a:pPr>
+            <a:r>
+              <a:rPr lang="cs-CZ" dirty="0"/>
+              <a:t>IP adresa nepřesměrovává na doménu</a:t>
+            </a:r>
+          </a:p>
+          <a:p>
+            <a:pPr marL="457200" lvl="1" indent="0">
+              <a:buNone/>
+            </a:pPr>
+            <a:r>
+              <a:rPr lang="cs-CZ" dirty="0"/>
+              <a:t>Nemá XML Sitemap soubor</a:t>
+            </a:r>
+          </a:p>
+          <a:p>
+            <a:pPr marL="457200" lvl="1" indent="0">
+              <a:buNone/>
+            </a:pPr>
+            <a:r>
+              <a:rPr lang="cs-CZ" dirty="0"/>
+              <a:t>Iframe obsah</a:t>
+            </a:r>
+          </a:p>
+          <a:p>
+            <a:pPr marL="457200" lvl="1" indent="0">
+              <a:buNone/>
+            </a:pPr>
+            <a:r>
+              <a:rPr lang="cs-CZ" dirty="0"/>
+              <a:t>Stránka je pomalá</a:t>
+            </a:r>
+          </a:p>
+          <a:p>
+            <a:pPr marL="457200" lvl="1" indent="0">
+              <a:buNone/>
+            </a:pPr>
+            <a:r>
+              <a:rPr lang="cs-CZ" dirty="0">
+                <a:latin typeface="Calibri" panose="020F0502020204030204" pitchFamily="34" charset="0"/>
+                <a:ea typeface="Cambria" panose="02040503050406030204" pitchFamily="18" charset="0"/>
+                <a:cs typeface="Calibri" panose="020F0502020204030204" pitchFamily="34" charset="0"/>
+              </a:rPr>
+              <a:t>Poměrně dobře vyřešená Sémantika, přístupnost a obsahová část</a:t>
+            </a:r>
+          </a:p>
+          <a:p>
+            <a:pPr marL="457200" indent="0" algn="l" rtl="0" eaLnBrk="1" latinLnBrk="0" hangingPunct="1">
+              <a:spcBef>
+                <a:spcPts val="384"/>
+              </a:spcBef>
+              <a:spcAft>
+                <a:spcPts val="600"/>
+              </a:spcAft>
+              <a:buClr>
+                <a:schemeClr val="tx1"/>
+              </a:buClr>
+              <a:buSzPct val="100000"/>
+              <a:buNone/>
+            </a:pPr>
+            <a:r>
+              <a:rPr lang="cs-CZ" sz="1800" kern="1200" cap="small" dirty="0">
+                <a:gradFill>
+                  <a:gsLst>
+                    <a:gs pos="0">
+                      <a:srgbClr val="FFFFFF"/>
+                    </a:gs>
+                    <a:gs pos="100000">
+                      <a:srgbClr val="BFBFBF"/>
+                    </a:gs>
+                  </a:gsLst>
+                  <a:lin ang="5580000" scaled="0"/>
+                </a:gradFill>
+                <a:effectLst>
+                  <a:glow rad="38100">
+                    <a:schemeClr val="bg1">
+                      <a:lumMod val="50000"/>
+                      <a:lumOff val="50000"/>
+                      <a:alpha val="20000"/>
+                    </a:schemeClr>
+                  </a:glow>
+                  <a:outerShdw blurRad="44450" dist="12700" dir="13860000" algn="tl" rotWithShape="0">
+                    <a:srgbClr val="000000">
+                      <a:alpha val="20000"/>
+                    </a:srgbClr>
+                  </a:outerShdw>
+                </a:effectLst>
+                <a:latin typeface="Calibri" panose="020F0502020204030204" pitchFamily="34" charset="0"/>
+                <a:ea typeface="Cambria" panose="02040503050406030204" pitchFamily="18" charset="0"/>
+                <a:cs typeface="Calibri" panose="020F0502020204030204" pitchFamily="34" charset="0"/>
+              </a:rPr>
+              <a:t>Příliš dlouhý popis</a:t>
+            </a:r>
+            <a:endParaRPr lang="en-US" sz="1800" dirty="0">
+              <a:effectLst/>
+            </a:endParaRPr>
+          </a:p>
+          <a:p>
+            <a:pPr marL="457200" lvl="1" indent="0">
+              <a:buNone/>
+            </a:pPr>
             <a:endParaRPr lang="cs-CZ" dirty="0"/>
           </a:p>
           <a:p>
@@ -6313,11 +6455,46 @@
             <a:pPr marL="457200" lvl="1" indent="0">
               <a:buNone/>
             </a:pPr>
-            <a:endParaRPr lang="cs-CZ" dirty="0"/>
-          </a:p>
-          <a:p>
-            <a:pPr lvl="1"/>
-            <a:endParaRPr lang="cs-CZ" dirty="0"/>
+            <a:r>
+              <a:rPr lang="cs-CZ" dirty="0"/>
+              <a:t>UX/UI</a:t>
+            </a:r>
+          </a:p>
+          <a:p>
+            <a:pPr marL="457200" lvl="1" indent="0">
+              <a:buNone/>
+            </a:pPr>
+            <a:r>
+              <a:rPr lang="cs-CZ" dirty="0"/>
+              <a:t>Stránka je poměrně přehledná pro běžného uživatele, ale myslím si, že starší člověk by se dokázal jednoduše ztratit</a:t>
+            </a:r>
+          </a:p>
+          <a:p>
+            <a:pPr marL="457200" lvl="1" indent="0">
+              <a:buNone/>
+            </a:pPr>
+            <a:r>
+              <a:rPr lang="cs-CZ" dirty="0"/>
+              <a:t>Má hezky udělaný design do modré barvy</a:t>
+            </a:r>
+          </a:p>
+          <a:p>
+            <a:pPr marL="457200" lvl="1" indent="0">
+              <a:buNone/>
+            </a:pPr>
+            <a:r>
+              <a:rPr lang="cs-CZ" dirty="0"/>
+              <a:t>Za mě by se mohla spousta věcí zjednodušit a zkrátit</a:t>
+            </a:r>
+          </a:p>
+          <a:p>
+            <a:pPr marL="457200" lvl="1" indent="0">
+              <a:buNone/>
+            </a:pPr>
+            <a:r>
+              <a:rPr lang="cs-CZ" dirty="0"/>
+              <a:t>7.5/10</a:t>
+            </a:r>
           </a:p>
         </p:txBody>
       </p:sp>
@@ -6325,6 +6502,619 @@
     <p:extLst>
       <p:ext uri="{BB962C8B-B14F-4D97-AF65-F5344CB8AC3E}">
         <p14:creationId xmlns:p14="http://schemas.microsoft.com/office/powerpoint/2010/main" val="2205927900"/>
+      </p:ext>
+    </p:extLst>
+  </p:cSld>
+  <p:clrMapOvr>
+    <a:masterClrMapping/>
+  </p:clrMapOvr>
+</p:sld>
+</file>
+
+<file path=ppt/slides/slide4.xml><?xml version="1.0" encoding="utf-8"?>
+<p:sld xmlns:a="http://schemas.openxmlformats.org/drawingml/2006/main" xmlns:r="http://schemas.openxmlformats.org/officeDocument/2006/relationships" xmlns:p="http://schemas.openxmlformats.org/presentationml/2006/main">
+  <p:cSld>
+    <p:spTree>
+      <p:nvGrpSpPr>
+        <p:cNvPr id="1" name=""/>
+        <p:cNvGrpSpPr/>
+        <p:nvPr/>
+      </p:nvGrpSpPr>
+      <p:grpSpPr>
+        <a:xfrm>
+          <a:off x="0" y="0"/>
+          <a:ext cx="0" cy="0"/>
+          <a:chOff x="0" y="0"/>
+          <a:chExt cx="0" cy="0"/>
+        </a:xfrm>
+      </p:grpSpPr>
+      <p:sp>
+        <p:nvSpPr>
+          <p:cNvPr id="2" name="Nadpis 1">
+            <a:extLst>
+              <a:ext uri="{FF2B5EF4-FFF2-40B4-BE49-F238E27FC236}">
+                <a16:creationId xmlns:a16="http://schemas.microsoft.com/office/drawing/2014/main" id="{025552F7-43B1-CE6A-8FA0-5B33B498179E}"/>
+              </a:ext>
+            </a:extLst>
+          </p:cNvPr>
+          <p:cNvSpPr>
+            <a:spLocks noGrp="1"/>
+          </p:cNvSpPr>
+          <p:nvPr>
+            <p:ph type="title"/>
+          </p:nvPr>
+        </p:nvSpPr>
+        <p:spPr>
+          <a:xfrm>
+            <a:off x="1141413" y="609600"/>
+            <a:ext cx="9905998" cy="1229833"/>
+          </a:xfrm>
+        </p:spPr>
+        <p:txBody>
+          <a:bodyPr/>
+          <a:lstStyle/>
+          <a:p>
+            <a:r>
+              <a:rPr lang="cs-CZ" dirty="0"/>
+              <a:t>Github.com – doména a kód</a:t>
+            </a:r>
+          </a:p>
+        </p:txBody>
+      </p:sp>
+      <p:sp>
+        <p:nvSpPr>
+          <p:cNvPr id="3" name="Zástupný obsah 2">
+            <a:extLst>
+              <a:ext uri="{FF2B5EF4-FFF2-40B4-BE49-F238E27FC236}">
+                <a16:creationId xmlns:a16="http://schemas.microsoft.com/office/drawing/2014/main" id="{91EBE4A0-3D23-7384-F4C3-C707AA6F0D70}"/>
+              </a:ext>
+            </a:extLst>
+          </p:cNvPr>
+          <p:cNvSpPr>
+            <a:spLocks noGrp="1"/>
+          </p:cNvSpPr>
+          <p:nvPr>
+            <p:ph sz="half" idx="1"/>
+          </p:nvPr>
+        </p:nvSpPr>
+        <p:spPr>
+          <a:xfrm>
+            <a:off x="1141412" y="1306286"/>
+            <a:ext cx="4876800" cy="5551715"/>
+          </a:xfrm>
+        </p:spPr>
+        <p:txBody>
+          <a:bodyPr/>
+          <a:lstStyle/>
+          <a:p>
+            <a:pPr marL="0" indent="0">
+              <a:buNone/>
+            </a:pPr>
+            <a:r>
+              <a:rPr lang="cs-CZ" dirty="0">
+                <a:latin typeface="Calibri" panose="020F0502020204030204" pitchFamily="34" charset="0"/>
+                <a:cs typeface="Calibri" panose="020F0502020204030204" pitchFamily="34" charset="0"/>
+              </a:rPr>
+              <a:t>Analýza domény:</a:t>
+            </a:r>
+          </a:p>
+          <a:p>
+            <a:pPr lvl="1"/>
+            <a:r>
+              <a:rPr lang="cs-CZ" dirty="0">
+                <a:latin typeface="Calibri" panose="020F0502020204030204" pitchFamily="34" charset="0"/>
+                <a:cs typeface="Calibri" panose="020F0502020204030204" pitchFamily="34" charset="0"/>
+              </a:rPr>
+              <a:t>Doména: github.com</a:t>
+            </a:r>
+          </a:p>
+          <a:p>
+            <a:pPr lvl="1"/>
+            <a:r>
+              <a:rPr lang="cs-CZ" dirty="0">
+                <a:latin typeface="Calibri" panose="020F0502020204030204" pitchFamily="34" charset="0"/>
+                <a:cs typeface="Calibri" panose="020F0502020204030204" pitchFamily="34" charset="0"/>
+              </a:rPr>
+              <a:t>Vlastník: GitHub, Inc.</a:t>
+            </a:r>
+          </a:p>
+          <a:p>
+            <a:pPr lvl="1"/>
+            <a:r>
+              <a:rPr lang="cs-CZ" dirty="0">
+                <a:latin typeface="Calibri" panose="020F0502020204030204" pitchFamily="34" charset="0"/>
+                <a:cs typeface="Calibri" panose="020F0502020204030204" pitchFamily="34" charset="0"/>
+              </a:rPr>
+              <a:t>Registrant: GitHub, Inc.</a:t>
+            </a:r>
+          </a:p>
+          <a:p>
+            <a:pPr lvl="1"/>
+            <a:r>
+              <a:rPr lang="cs-CZ" dirty="0">
+                <a:latin typeface="Calibri" panose="020F0502020204030204" pitchFamily="34" charset="0"/>
+                <a:cs typeface="Calibri" panose="020F0502020204030204" pitchFamily="34" charset="0"/>
+              </a:rPr>
+              <a:t>Registrátor: MarkMonitor Inc.</a:t>
+            </a:r>
+          </a:p>
+          <a:p>
+            <a:pPr lvl="1"/>
+            <a:r>
+              <a:rPr lang="cs-CZ" dirty="0">
+                <a:latin typeface="Calibri" panose="020F0502020204030204" pitchFamily="34" charset="0"/>
+                <a:cs typeface="Calibri" panose="020F0502020204030204" pitchFamily="34" charset="0"/>
+              </a:rPr>
+              <a:t>Registrováno: 9.10.2007</a:t>
+            </a:r>
+          </a:p>
+          <a:p>
+            <a:pPr lvl="1"/>
+            <a:r>
+              <a:rPr lang="cs-CZ" dirty="0">
+                <a:latin typeface="Calibri" panose="020F0502020204030204" pitchFamily="34" charset="0"/>
+                <a:cs typeface="Calibri" panose="020F0502020204030204" pitchFamily="34" charset="0"/>
+              </a:rPr>
+              <a:t>Datum expirace: 9.10.2024</a:t>
+            </a:r>
+          </a:p>
+          <a:p>
+            <a:pPr lvl="1"/>
+            <a:endParaRPr lang="cs-CZ" dirty="0"/>
+          </a:p>
+          <a:p>
+            <a:pPr lvl="1"/>
+            <a:endParaRPr lang="cs-CZ" dirty="0"/>
+          </a:p>
+          <a:p>
+            <a:endParaRPr lang="cs-CZ" dirty="0"/>
+          </a:p>
+          <a:p>
+            <a:pPr marL="0" indent="0">
+              <a:buNone/>
+            </a:pPr>
+            <a:endParaRPr lang="cs-CZ" dirty="0"/>
+          </a:p>
+        </p:txBody>
+      </p:sp>
+      <p:sp>
+        <p:nvSpPr>
+          <p:cNvPr id="4" name="Zástupný obsah 3">
+            <a:extLst>
+              <a:ext uri="{FF2B5EF4-FFF2-40B4-BE49-F238E27FC236}">
+                <a16:creationId xmlns:a16="http://schemas.microsoft.com/office/drawing/2014/main" id="{AA7AB893-29B8-3424-0BDE-400B8DD8267B}"/>
+              </a:ext>
+            </a:extLst>
+          </p:cNvPr>
+          <p:cNvSpPr>
+            <a:spLocks noGrp="1"/>
+          </p:cNvSpPr>
+          <p:nvPr>
+            <p:ph sz="half" idx="2"/>
+          </p:nvPr>
+        </p:nvSpPr>
+        <p:spPr>
+          <a:xfrm>
+            <a:off x="6170612" y="1117600"/>
+            <a:ext cx="4876800" cy="5740401"/>
+          </a:xfrm>
+        </p:spPr>
+        <p:txBody>
+          <a:bodyPr/>
+          <a:lstStyle/>
+          <a:p>
+            <a:pPr marL="0" indent="0">
+              <a:buNone/>
+            </a:pPr>
+            <a:r>
+              <a:rPr lang="cs-CZ" dirty="0">
+                <a:latin typeface="Calibri" panose="020F0502020204030204" pitchFamily="34" charset="0"/>
+                <a:ea typeface="Cambria" panose="02040503050406030204" pitchFamily="18" charset="0"/>
+                <a:cs typeface="Calibri" panose="020F0502020204030204" pitchFamily="34" charset="0"/>
+              </a:rPr>
+              <a:t>Analýza kódu:</a:t>
+            </a:r>
+          </a:p>
+          <a:p>
+            <a:pPr marL="457200" lvl="1" indent="0">
+              <a:buNone/>
+            </a:pPr>
+            <a:r>
+              <a:rPr lang="cs-CZ" dirty="0"/>
+              <a:t>Má mnoho CSS stylů, JS souborů a inline styly</a:t>
+            </a:r>
+          </a:p>
+          <a:p>
+            <a:pPr marL="457200" lvl="1" indent="0">
+              <a:buNone/>
+            </a:pPr>
+            <a:r>
+              <a:rPr lang="cs-CZ" dirty="0"/>
+              <a:t>Chybí alternativní popisy u obrázků</a:t>
+            </a:r>
+          </a:p>
+          <a:p>
+            <a:pPr marL="457200" lvl="1" indent="0">
+              <a:buNone/>
+            </a:pPr>
+            <a:r>
+              <a:rPr lang="cs-CZ" dirty="0"/>
+              <a:t>Moc dlouhý popis, špatné pořadí nadpisů</a:t>
+            </a:r>
+          </a:p>
+          <a:p>
+            <a:pPr marL="457200" lvl="1" indent="0">
+              <a:buNone/>
+            </a:pPr>
+            <a:r>
+              <a:rPr lang="cs-CZ" dirty="0"/>
+              <a:t>Příliš dlouhý zdrojový kód, chybí klíčová slova</a:t>
+            </a:r>
+          </a:p>
+        </p:txBody>
+      </p:sp>
+    </p:spTree>
+    <p:extLst>
+      <p:ext uri="{BB962C8B-B14F-4D97-AF65-F5344CB8AC3E}">
+        <p14:creationId xmlns:p14="http://schemas.microsoft.com/office/powerpoint/2010/main" val="2299021841"/>
+      </p:ext>
+    </p:extLst>
+  </p:cSld>
+  <p:clrMapOvr>
+    <a:masterClrMapping/>
+  </p:clrMapOvr>
+</p:sld>
+</file>
+
+<file path=ppt/slides/slide5.xml><?xml version="1.0" encoding="utf-8"?>
+<p:sld xmlns:a="http://schemas.openxmlformats.org/drawingml/2006/main" xmlns:r="http://schemas.openxmlformats.org/officeDocument/2006/relationships" xmlns:p="http://schemas.openxmlformats.org/presentationml/2006/main">
+  <p:cSld>
+    <p:spTree>
+      <p:nvGrpSpPr>
+        <p:cNvPr id="1" name=""/>
+        <p:cNvGrpSpPr/>
+        <p:nvPr/>
+      </p:nvGrpSpPr>
+      <p:grpSpPr>
+        <a:xfrm>
+          <a:off x="0" y="0"/>
+          <a:ext cx="0" cy="0"/>
+          <a:chOff x="0" y="0"/>
+          <a:chExt cx="0" cy="0"/>
+        </a:xfrm>
+      </p:grpSpPr>
+      <p:sp>
+        <p:nvSpPr>
+          <p:cNvPr id="2" name="Nadpis 1">
+            <a:extLst>
+              <a:ext uri="{FF2B5EF4-FFF2-40B4-BE49-F238E27FC236}">
+                <a16:creationId xmlns:a16="http://schemas.microsoft.com/office/drawing/2014/main" id="{025552F7-43B1-CE6A-8FA0-5B33B498179E}"/>
+              </a:ext>
+            </a:extLst>
+          </p:cNvPr>
+          <p:cNvSpPr>
+            <a:spLocks noGrp="1"/>
+          </p:cNvSpPr>
+          <p:nvPr>
+            <p:ph type="title"/>
+          </p:nvPr>
+        </p:nvSpPr>
+        <p:spPr>
+          <a:xfrm>
+            <a:off x="1141413" y="609600"/>
+            <a:ext cx="9905998" cy="1229833"/>
+          </a:xfrm>
+        </p:spPr>
+        <p:txBody>
+          <a:bodyPr/>
+          <a:lstStyle/>
+          <a:p>
+            <a:r>
+              <a:rPr lang="cs-CZ" dirty="0"/>
+              <a:t>Github.com – SEO analýza &amp; UX/UI</a:t>
+            </a:r>
+          </a:p>
+        </p:txBody>
+      </p:sp>
+      <p:sp>
+        <p:nvSpPr>
+          <p:cNvPr id="3" name="Zástupný obsah 2">
+            <a:extLst>
+              <a:ext uri="{FF2B5EF4-FFF2-40B4-BE49-F238E27FC236}">
+                <a16:creationId xmlns:a16="http://schemas.microsoft.com/office/drawing/2014/main" id="{91EBE4A0-3D23-7384-F4C3-C707AA6F0D70}"/>
+              </a:ext>
+            </a:extLst>
+          </p:cNvPr>
+          <p:cNvSpPr>
+            <a:spLocks noGrp="1"/>
+          </p:cNvSpPr>
+          <p:nvPr>
+            <p:ph sz="half" idx="1"/>
+          </p:nvPr>
+        </p:nvSpPr>
+        <p:spPr>
+          <a:xfrm>
+            <a:off x="1141413" y="1364342"/>
+            <a:ext cx="4876800" cy="5551715"/>
+          </a:xfrm>
+        </p:spPr>
+        <p:txBody>
+          <a:bodyPr/>
+          <a:lstStyle/>
+          <a:p>
+            <a:pPr marL="457200" lvl="1" indent="0">
+              <a:buNone/>
+            </a:pPr>
+            <a:r>
+              <a:rPr lang="cs-CZ" dirty="0"/>
+              <a:t>SEO ANALÝZA:</a:t>
+            </a:r>
+          </a:p>
+          <a:p>
+            <a:pPr marL="457200" lvl="1" indent="0">
+              <a:buNone/>
+            </a:pPr>
+            <a:r>
+              <a:rPr lang="cs-CZ" dirty="0"/>
+              <a:t>URL obsahuje podtržítka, nahradit za pomlčky</a:t>
+            </a:r>
+          </a:p>
+          <a:p>
+            <a:pPr marL="457200" lvl="1" indent="0">
+              <a:buNone/>
+            </a:pPr>
+            <a:r>
+              <a:rPr lang="cs-CZ" dirty="0"/>
+              <a:t>Nemá upravenou 404 error stránku</a:t>
+            </a:r>
+          </a:p>
+          <a:p>
+            <a:pPr marL="457200" lvl="1" indent="0">
+              <a:buNone/>
+            </a:pPr>
+            <a:r>
+              <a:rPr lang="cs-CZ" dirty="0"/>
+              <a:t>Velmi dobrá rychlost</a:t>
+            </a:r>
+          </a:p>
+          <a:p>
+            <a:pPr marL="457200" lvl="1" indent="0">
+              <a:buNone/>
+            </a:pPr>
+            <a:r>
+              <a:rPr lang="cs-CZ" dirty="0"/>
+              <a:t>Není dobře optimalizovaná pro mobilní zařízení</a:t>
+            </a:r>
+          </a:p>
+          <a:p>
+            <a:pPr marL="457200" lvl="1" indent="0">
+              <a:buNone/>
+            </a:pPr>
+            <a:r>
+              <a:rPr lang="cs-CZ" dirty="0"/>
+              <a:t>Sitemap vrací špatný mime type</a:t>
+            </a:r>
+          </a:p>
+          <a:p>
+            <a:pPr marL="457200" lvl="1" indent="0">
+              <a:buNone/>
+            </a:pPr>
+            <a:r>
+              <a:rPr lang="cs-CZ" dirty="0"/>
+              <a:t>Nemají strojově čitelná data pro vyhledávače</a:t>
+            </a:r>
+          </a:p>
+          <a:p>
+            <a:pPr marL="0" indent="0">
+              <a:buNone/>
+            </a:pPr>
+            <a:endParaRPr lang="cs-CZ" dirty="0"/>
+          </a:p>
+        </p:txBody>
+      </p:sp>
+      <p:sp>
+        <p:nvSpPr>
+          <p:cNvPr id="4" name="Zástupný obsah 3">
+            <a:extLst>
+              <a:ext uri="{FF2B5EF4-FFF2-40B4-BE49-F238E27FC236}">
+                <a16:creationId xmlns:a16="http://schemas.microsoft.com/office/drawing/2014/main" id="{AA7AB893-29B8-3424-0BDE-400B8DD8267B}"/>
+              </a:ext>
+            </a:extLst>
+          </p:cNvPr>
+          <p:cNvSpPr>
+            <a:spLocks noGrp="1"/>
+          </p:cNvSpPr>
+          <p:nvPr>
+            <p:ph sz="half" idx="2"/>
+          </p:nvPr>
+        </p:nvSpPr>
+        <p:spPr>
+          <a:xfrm>
+            <a:off x="6170612" y="1117600"/>
+            <a:ext cx="4876800" cy="5740401"/>
+          </a:xfrm>
+        </p:spPr>
+        <p:txBody>
+          <a:bodyPr/>
+          <a:lstStyle/>
+          <a:p>
+            <a:pPr marL="457200" lvl="1" indent="0">
+              <a:buNone/>
+            </a:pPr>
+            <a:r>
+              <a:rPr lang="cs-CZ" dirty="0"/>
+              <a:t>UX/UI</a:t>
+            </a:r>
+          </a:p>
+          <a:p>
+            <a:pPr marL="457200" lvl="1" indent="0">
+              <a:buNone/>
+            </a:pPr>
+            <a:r>
+              <a:rPr lang="cs-CZ" dirty="0"/>
+              <a:t>Stránka má krásný přehledný design ve vesmírném stylu, jeden z nejhezčích designů pro stránku co znám</a:t>
+            </a:r>
+          </a:p>
+          <a:p>
+            <a:pPr marL="457200" lvl="1" indent="0">
+              <a:buNone/>
+            </a:pPr>
+            <a:endParaRPr lang="cs-CZ" dirty="0"/>
+          </a:p>
+          <a:p>
+            <a:pPr marL="457200" lvl="1" indent="0">
+              <a:buNone/>
+            </a:pPr>
+            <a:r>
+              <a:rPr lang="cs-CZ" dirty="0"/>
+              <a:t>Má přehledné menu i obsah na stránce</a:t>
+            </a:r>
+          </a:p>
+          <a:p>
+            <a:pPr marL="457200" lvl="1" indent="0">
+              <a:buNone/>
+            </a:pPr>
+            <a:r>
+              <a:rPr lang="cs-CZ" dirty="0"/>
+              <a:t>9.5/10</a:t>
+            </a:r>
+          </a:p>
+          <a:p>
+            <a:pPr marL="457200" lvl="1" indent="0">
+              <a:buNone/>
+            </a:pPr>
+            <a:endParaRPr lang="cs-CZ" dirty="0"/>
+          </a:p>
+          <a:p>
+            <a:pPr marL="457200" lvl="1" indent="0">
+              <a:buNone/>
+            </a:pPr>
+            <a:r>
+              <a:rPr lang="en-US" dirty="0">
+                <a:hlinkClick r:id="rId2"/>
+              </a:rPr>
+              <a:t>Github.com | SEOMAKER</a:t>
+            </a:r>
+            <a:endParaRPr lang="cs-CZ" dirty="0"/>
+          </a:p>
+          <a:p>
+            <a:pPr marL="457200" lvl="1" indent="0">
+              <a:buNone/>
+            </a:pPr>
+            <a:r>
+              <a:rPr lang="en-US" dirty="0" err="1">
+                <a:hlinkClick r:id="rId3"/>
+              </a:rPr>
+              <a:t>Analýza</a:t>
+            </a:r>
+            <a:r>
+              <a:rPr lang="en-US" dirty="0">
+                <a:hlinkClick r:id="rId3"/>
+              </a:rPr>
+              <a:t> </a:t>
+            </a:r>
+            <a:r>
+              <a:rPr lang="en-US" dirty="0" err="1">
+                <a:hlinkClick r:id="rId3"/>
+              </a:rPr>
+              <a:t>zdrojového</a:t>
+            </a:r>
+            <a:r>
+              <a:rPr lang="en-US" dirty="0">
+                <a:hlinkClick r:id="rId3"/>
+              </a:rPr>
+              <a:t> </a:t>
+            </a:r>
+            <a:r>
+              <a:rPr lang="en-US" dirty="0" err="1">
+                <a:hlinkClick r:id="rId3"/>
+              </a:rPr>
+              <a:t>kódu</a:t>
+            </a:r>
+            <a:r>
+              <a:rPr lang="en-US" dirty="0">
+                <a:hlinkClick r:id="rId3"/>
+              </a:rPr>
+              <a:t> www </a:t>
+            </a:r>
+            <a:r>
+              <a:rPr lang="en-US" dirty="0" err="1">
+                <a:hlinkClick r:id="rId3"/>
+              </a:rPr>
+              <a:t>stránek</a:t>
+            </a:r>
+            <a:r>
+              <a:rPr lang="en-US" dirty="0">
+                <a:hlinkClick r:id="rId3"/>
+              </a:rPr>
+              <a:t> (github.com) - SEO </a:t>
+            </a:r>
+            <a:r>
+              <a:rPr lang="en-US" dirty="0" err="1">
+                <a:hlinkClick r:id="rId3"/>
+              </a:rPr>
+              <a:t>Servis</a:t>
+            </a:r>
+            <a:r>
+              <a:rPr lang="en-US" dirty="0">
+                <a:hlinkClick r:id="rId3"/>
+              </a:rPr>
+              <a:t> (seo-servis.cz)</a:t>
+            </a:r>
+            <a:endParaRPr lang="cs-CZ" dirty="0"/>
+          </a:p>
+          <a:p>
+            <a:pPr marL="457200" lvl="1" indent="0">
+              <a:buNone/>
+            </a:pPr>
+            <a:r>
+              <a:rPr lang="en-US" dirty="0" err="1">
+                <a:hlinkClick r:id="rId4"/>
+              </a:rPr>
+              <a:t>Whois</a:t>
+            </a:r>
+            <a:r>
+              <a:rPr lang="en-US" dirty="0">
+                <a:hlinkClick r:id="rId4"/>
+              </a:rPr>
+              <a:t> github.com</a:t>
+            </a:r>
+            <a:endParaRPr lang="cs-CZ" dirty="0"/>
+          </a:p>
+          <a:p>
+            <a:pPr marL="457200" lvl="1" indent="0">
+              <a:buNone/>
+            </a:pPr>
+            <a:r>
+              <a:rPr lang="cs-CZ" dirty="0"/>
+              <a:t>¨</a:t>
+            </a:r>
+            <a:r>
+              <a:rPr lang="en-US" dirty="0" err="1">
+                <a:hlinkClick r:id="rId5"/>
+              </a:rPr>
+              <a:t>Whois</a:t>
+            </a:r>
+            <a:r>
+              <a:rPr lang="en-US" dirty="0">
+                <a:hlinkClick r:id="rId5"/>
+              </a:rPr>
+              <a:t> Lookup, Domain Availability &amp;amp; IP Search - </a:t>
+            </a:r>
+            <a:r>
+              <a:rPr lang="en-US">
+                <a:hlinkClick r:id="rId5"/>
+              </a:rPr>
+              <a:t>DomainTools</a:t>
+            </a:r>
+            <a:endParaRPr lang="cs-CZ" dirty="0"/>
+          </a:p>
+        </p:txBody>
+      </p:sp>
+    </p:spTree>
+    <p:extLst>
+      <p:ext uri="{BB962C8B-B14F-4D97-AF65-F5344CB8AC3E}">
+        <p14:creationId xmlns:p14="http://schemas.microsoft.com/office/powerpoint/2010/main" val="2698533524"/>
       </p:ext>
     </p:extLst>
   </p:cSld>
